--- a/AspNetCoreRouting.pptx
+++ b/AspNetCoreRouting.pptx
@@ -205,7 +205,7 @@
           <a:p>
             <a:fld id="{AD14B1DC-E67B-4F92-8148-FD9B95C50358}" type="datetimeFigureOut">
               <a:rPr lang="en-GB" smtClean="0"/>
-              <a:t>29/01/2019</a:t>
+              <a:t>30/01/2019</a:t>
             </a:fld>
             <a:endParaRPr lang="en-GB"/>
           </a:p>
@@ -1049,7 +1049,7 @@
           <a:p>
             <a:fld id="{75701DC5-01F8-4CC8-B6DD-1031961ED15F}" type="datetimeFigureOut">
               <a:rPr lang="en-GB" smtClean="0"/>
-              <a:t>29/01/2019</a:t>
+              <a:t>30/01/2019</a:t>
             </a:fld>
             <a:endParaRPr lang="en-GB"/>
           </a:p>
@@ -1219,7 +1219,7 @@
           <a:p>
             <a:fld id="{75701DC5-01F8-4CC8-B6DD-1031961ED15F}" type="datetimeFigureOut">
               <a:rPr lang="en-GB" smtClean="0"/>
-              <a:t>29/01/2019</a:t>
+              <a:t>30/01/2019</a:t>
             </a:fld>
             <a:endParaRPr lang="en-GB"/>
           </a:p>
@@ -1399,7 +1399,7 @@
           <a:p>
             <a:fld id="{75701DC5-01F8-4CC8-B6DD-1031961ED15F}" type="datetimeFigureOut">
               <a:rPr lang="en-GB" smtClean="0"/>
-              <a:t>29/01/2019</a:t>
+              <a:t>30/01/2019</a:t>
             </a:fld>
             <a:endParaRPr lang="en-GB"/>
           </a:p>
@@ -1569,7 +1569,7 @@
           <a:p>
             <a:fld id="{75701DC5-01F8-4CC8-B6DD-1031961ED15F}" type="datetimeFigureOut">
               <a:rPr lang="en-GB" smtClean="0"/>
-              <a:t>29/01/2019</a:t>
+              <a:t>30/01/2019</a:t>
             </a:fld>
             <a:endParaRPr lang="en-GB"/>
           </a:p>
@@ -1815,7 +1815,7 @@
           <a:p>
             <a:fld id="{75701DC5-01F8-4CC8-B6DD-1031961ED15F}" type="datetimeFigureOut">
               <a:rPr lang="en-GB" smtClean="0"/>
-              <a:t>29/01/2019</a:t>
+              <a:t>30/01/2019</a:t>
             </a:fld>
             <a:endParaRPr lang="en-GB"/>
           </a:p>
@@ -2047,7 +2047,7 @@
           <a:p>
             <a:fld id="{75701DC5-01F8-4CC8-B6DD-1031961ED15F}" type="datetimeFigureOut">
               <a:rPr lang="en-GB" smtClean="0"/>
-              <a:t>29/01/2019</a:t>
+              <a:t>30/01/2019</a:t>
             </a:fld>
             <a:endParaRPr lang="en-GB"/>
           </a:p>
@@ -2414,7 +2414,7 @@
           <a:p>
             <a:fld id="{75701DC5-01F8-4CC8-B6DD-1031961ED15F}" type="datetimeFigureOut">
               <a:rPr lang="en-GB" smtClean="0"/>
-              <a:t>29/01/2019</a:t>
+              <a:t>30/01/2019</a:t>
             </a:fld>
             <a:endParaRPr lang="en-GB"/>
           </a:p>
@@ -2532,7 +2532,7 @@
           <a:p>
             <a:fld id="{75701DC5-01F8-4CC8-B6DD-1031961ED15F}" type="datetimeFigureOut">
               <a:rPr lang="en-GB" smtClean="0"/>
-              <a:t>29/01/2019</a:t>
+              <a:t>30/01/2019</a:t>
             </a:fld>
             <a:endParaRPr lang="en-GB"/>
           </a:p>
@@ -2627,7 +2627,7 @@
           <a:p>
             <a:fld id="{75701DC5-01F8-4CC8-B6DD-1031961ED15F}" type="datetimeFigureOut">
               <a:rPr lang="en-GB" smtClean="0"/>
-              <a:t>29/01/2019</a:t>
+              <a:t>30/01/2019</a:t>
             </a:fld>
             <a:endParaRPr lang="en-GB"/>
           </a:p>
@@ -2904,7 +2904,7 @@
           <a:p>
             <a:fld id="{75701DC5-01F8-4CC8-B6DD-1031961ED15F}" type="datetimeFigureOut">
               <a:rPr lang="en-GB" smtClean="0"/>
-              <a:t>29/01/2019</a:t>
+              <a:t>30/01/2019</a:t>
             </a:fld>
             <a:endParaRPr lang="en-GB"/>
           </a:p>
@@ -3161,7 +3161,7 @@
           <a:p>
             <a:fld id="{75701DC5-01F8-4CC8-B6DD-1031961ED15F}" type="datetimeFigureOut">
               <a:rPr lang="en-GB" smtClean="0"/>
-              <a:t>29/01/2019</a:t>
+              <a:t>30/01/2019</a:t>
             </a:fld>
             <a:endParaRPr lang="en-GB"/>
           </a:p>
@@ -3374,7 +3374,7 @@
           <a:p>
             <a:fld id="{75701DC5-01F8-4CC8-B6DD-1031961ED15F}" type="datetimeFigureOut">
               <a:rPr lang="en-GB" smtClean="0"/>
-              <a:t>29/01/2019</a:t>
+              <a:t>30/01/2019</a:t>
             </a:fld>
             <a:endParaRPr lang="en-GB"/>
           </a:p>
@@ -6289,9 +6289,6 @@
   <p:clrMapOvr>
     <a:masterClrMapping/>
   </p:clrMapOvr>
-  <p:transition spd="slow">
-    <p:wipe/>
-  </p:transition>
   <p:timing>
     <p:tnLst>
       <p:par>
